--- a/Anti-Cargo-Presentation.pptx
+++ b/Anti-Cargo-Presentation.pptx
@@ -451,7 +451,7 @@
             <a:fld id="{5923F103-BC34-4FE4-A40E-EDDEECFDA5D0}" type="datetimeFigureOut">
               <a:rPr lang="en-US" dirty="0"/>
               <a:pPr/>
-              <a:t>1/26/2019</a:t>
+              <a:t>1/27/2019</a:t>
             </a:fld>
             <a:endParaRPr lang="en-US" dirty="0"/>
           </a:p>
@@ -1535,7 +1535,7 @@
           <a:p>
             <a:fld id="{923A1CC3-2375-41D4-9E03-427CAF2A4C1A}" type="datetimeFigureOut">
               <a:rPr lang="en-US" dirty="0"/>
-              <a:t>1/26/2019</a:t>
+              <a:t>1/27/2019</a:t>
             </a:fld>
             <a:endParaRPr lang="en-US" dirty="0"/>
           </a:p>
@@ -2511,7 +2511,7 @@
           <a:p>
             <a:fld id="{AFF16868-8199-4C2C-A5B1-63AEE139F88E}" type="datetimeFigureOut">
               <a:rPr lang="en-US" dirty="0"/>
-              <a:t>1/26/2019</a:t>
+              <a:t>1/27/2019</a:t>
             </a:fld>
             <a:endParaRPr lang="en-US" dirty="0"/>
           </a:p>
@@ -3641,7 +3641,7 @@
           <a:p>
             <a:fld id="{AAD9FF7F-6988-44CC-821B-644E70CD2F73}" type="datetimeFigureOut">
               <a:rPr lang="en-US" dirty="0"/>
-              <a:t>1/26/2019</a:t>
+              <a:t>1/27/2019</a:t>
             </a:fld>
             <a:endParaRPr lang="en-US" dirty="0"/>
           </a:p>
@@ -4670,7 +4670,7 @@
           <a:p>
             <a:fld id="{5C12C299-16B2-4475-990D-751901EACC14}" type="datetimeFigureOut">
               <a:rPr lang="en-US" dirty="0"/>
-              <a:t>1/26/2019</a:t>
+              <a:t>1/27/2019</a:t>
             </a:fld>
             <a:endParaRPr lang="en-US" dirty="0"/>
           </a:p>
@@ -5326,7 +5326,7 @@
           <a:p>
             <a:fld id="{9FE86839-B9D8-4651-8783-F325ECE74E65}" type="datetimeFigureOut">
               <a:rPr lang="en-US" dirty="0"/>
-              <a:t>1/26/2019</a:t>
+              <a:t>1/27/2019</a:t>
             </a:fld>
             <a:endParaRPr lang="en-US" dirty="0"/>
           </a:p>
@@ -6183,7 +6183,7 @@
           <a:p>
             <a:fld id="{FD484F64-32F6-45C5-931F-ADC1662401D0}" type="datetimeFigureOut">
               <a:rPr lang="en-US" dirty="0"/>
-              <a:t>1/26/2019</a:t>
+              <a:t>1/27/2019</a:t>
             </a:fld>
             <a:endParaRPr lang="en-US" dirty="0"/>
           </a:p>
@@ -6369,7 +6369,7 @@
           <a:p>
             <a:fld id="{53086D93-FCAC-47E0-A2EE-787E62CA814C}" type="datetimeFigureOut">
               <a:rPr lang="en-US" dirty="0"/>
-              <a:t>1/26/2019</a:t>
+              <a:t>1/27/2019</a:t>
             </a:fld>
             <a:endParaRPr lang="en-US" dirty="0"/>
           </a:p>
@@ -7337,7 +7337,7 @@
           <a:p>
             <a:fld id="{CDA879A6-0FD0-4734-A311-86BFCA472E6E}" type="datetimeFigureOut">
               <a:rPr lang="en-US" dirty="0"/>
-              <a:t>1/26/2019</a:t>
+              <a:t>1/27/2019</a:t>
             </a:fld>
             <a:endParaRPr lang="en-US" dirty="0"/>
           </a:p>
@@ -7544,7 +7544,7 @@
           <a:p>
             <a:fld id="{19C9CA7B-DFD4-44B5-8C60-D14B8CD1FB59}" type="datetimeFigureOut">
               <a:rPr lang="en-US" dirty="0"/>
-              <a:t>1/26/2019</a:t>
+              <a:t>1/27/2019</a:t>
             </a:fld>
             <a:endParaRPr lang="en-US" dirty="0"/>
           </a:p>
@@ -8574,7 +8574,7 @@
           <a:p>
             <a:fld id="{F34E6425-0181-43F2-84FC-787E803FD2F8}" type="datetimeFigureOut">
               <a:rPr lang="en-US" dirty="0"/>
-              <a:t>1/26/2019</a:t>
+              <a:t>1/27/2019</a:t>
             </a:fld>
             <a:endParaRPr lang="en-US" dirty="0"/>
           </a:p>
@@ -8842,7 +8842,7 @@
           <a:p>
             <a:fld id="{3BDB8791-F1B0-41E7-B7FD-A781E65C4266}" type="datetimeFigureOut">
               <a:rPr lang="en-US" dirty="0"/>
-              <a:t>1/26/2019</a:t>
+              <a:t>1/27/2019</a:t>
             </a:fld>
             <a:endParaRPr lang="en-US" dirty="0"/>
           </a:p>
@@ -9248,7 +9248,7 @@
           <a:p>
             <a:fld id="{5FDD63B2-E120-4ED8-B27B-C685F510A5FE}" type="datetimeFigureOut">
               <a:rPr lang="en-US" dirty="0"/>
-              <a:t>1/26/2019</a:t>
+              <a:t>1/27/2019</a:t>
             </a:fld>
             <a:endParaRPr lang="en-US" dirty="0"/>
           </a:p>
@@ -9371,7 +9371,7 @@
           <a:p>
             <a:fld id="{7AA18ACC-A947-437B-A130-35BD54FDF1E9}" type="datetimeFigureOut">
               <a:rPr lang="en-US" dirty="0"/>
-              <a:t>1/26/2019</a:t>
+              <a:t>1/27/2019</a:t>
             </a:fld>
             <a:endParaRPr lang="en-US" dirty="0"/>
           </a:p>
@@ -9462,7 +9462,7 @@
           <a:p>
             <a:fld id="{7C8D7E02-BCB8-4D50-A234-369438C08659}" type="datetimeFigureOut">
               <a:rPr lang="en-US" dirty="0"/>
-              <a:t>1/26/2019</a:t>
+              <a:t>1/27/2019</a:t>
             </a:fld>
             <a:endParaRPr lang="en-US" dirty="0"/>
           </a:p>
@@ -10539,7 +10539,7 @@
           <a:p>
             <a:fld id="{76E86A4C-8E40-4F87-A4F0-01A0687C5742}" type="datetimeFigureOut">
               <a:rPr lang="en-US" dirty="0"/>
-              <a:t>1/26/2019</a:t>
+              <a:t>1/27/2019</a:t>
             </a:fld>
             <a:endParaRPr lang="en-US" dirty="0"/>
           </a:p>
@@ -11643,7 +11643,7 @@
           <a:p>
             <a:fld id="{35E72C73-2D91-4E12-BA25-F0AA0C03599B}" type="datetimeFigureOut">
               <a:rPr lang="en-US" dirty="0"/>
-              <a:t>1/26/2019</a:t>
+              <a:t>1/27/2019</a:t>
             </a:fld>
             <a:endParaRPr lang="en-US" dirty="0"/>
           </a:p>
@@ -12636,7 +12636,7 @@
           <a:p>
             <a:fld id="{2BE451C3-0FF4-47C4-B829-773ADF60F88C}" type="datetimeFigureOut">
               <a:rPr lang="en-US" dirty="0"/>
-              <a:t>1/26/2019</a:t>
+              <a:t>1/27/2019</a:t>
             </a:fld>
             <a:endParaRPr lang="en-US" dirty="0"/>
           </a:p>
@@ -13208,14 +13208,27 @@
             <p:ph type="ctrTitle"/>
           </p:nvPr>
         </p:nvSpPr>
-        <p:spPr/>
+        <p:spPr>
+          <a:xfrm>
+            <a:off x="1683171" y="741796"/>
+            <a:ext cx="8825658" cy="2677648"/>
+          </a:xfrm>
+        </p:spPr>
         <p:txBody>
           <a:bodyPr/>
           <a:lstStyle/>
           <a:p>
+            <a:pPr algn="ctr"/>
             <a:r>
               <a:rPr lang="en-US" dirty="0"/>
-              <a:t>Anti Cargo Theft</a:t>
+              <a:t>Where’d that </a:t>
+            </a:r>
+            <a:br>
+              <a:rPr lang="en-US" dirty="0"/>
+            </a:br>
+            <a:r>
+              <a:rPr lang="en-US" dirty="0"/>
+              <a:t>Car-go?</a:t>
             </a:r>
           </a:p>
         </p:txBody>
@@ -13242,24 +13255,103 @@
           <a:lstStyle/>
           <a:p>
             <a:r>
-              <a:rPr lang="en-US" dirty="0"/>
-              <a:t>Mostafa Mohsen, Christopher Vishnu</a:t>
-            </a:r>
-          </a:p>
-          <a:p>
-            <a:r>
-              <a:rPr lang="en-US" dirty="0" err="1"/>
-              <a:t>Ather</a:t>
+              <a:rPr lang="en-US" b="1" dirty="0">
+                <a:solidFill>
+                  <a:schemeClr val="tx1"/>
+                </a:solidFill>
+                <a:effectLst>
+                  <a:outerShdw blurRad="38100" dist="38100" dir="2700000" algn="tl">
+                    <a:srgbClr val="000000">
+                      <a:alpha val="43137"/>
+                    </a:srgbClr>
+                  </a:outerShdw>
+                </a:effectLst>
+              </a:rPr>
+              <a:t>M</a:t>
             </a:r>
             <a:r>
               <a:rPr lang="en-US" dirty="0"/>
-              <a:t> Hassan, Ryan </a:t>
+              <a:t>ostafa Mohsen, </a:t>
+            </a:r>
+            <a:r>
+              <a:rPr lang="en-US" b="1" dirty="0">
+                <a:solidFill>
+                  <a:schemeClr val="tx1"/>
+                </a:solidFill>
+              </a:rPr>
+              <a:t>A</a:t>
+            </a:r>
+            <a:r>
+              <a:rPr lang="en-US" dirty="0"/>
+              <a:t>ther </a:t>
+            </a:r>
+            <a:r>
+              <a:rPr lang="en-US" dirty="0" err="1"/>
+              <a:t>hassan</a:t>
+            </a:r>
+            <a:r>
+              <a:rPr lang="en-US" dirty="0"/>
+              <a:t>, </a:t>
+            </a:r>
+            <a:r>
+              <a:rPr lang="en-US" b="1" dirty="0">
+                <a:solidFill>
+                  <a:schemeClr val="tx1"/>
+                </a:solidFill>
+              </a:rPr>
+              <a:t>R</a:t>
+            </a:r>
+            <a:r>
+              <a:rPr lang="en-US" dirty="0"/>
+              <a:t>yan </a:t>
             </a:r>
             <a:r>
               <a:rPr lang="en-US" dirty="0" err="1"/>
               <a:t>woodard</a:t>
             </a:r>
-            <a:endParaRPr lang="en-US" dirty="0"/>
+            <a:r>
+              <a:rPr lang="en-US" dirty="0"/>
+              <a:t>, </a:t>
+            </a:r>
+            <a:r>
+              <a:rPr lang="en-US" b="1" dirty="0">
+                <a:solidFill>
+                  <a:schemeClr val="tx1"/>
+                </a:solidFill>
+              </a:rPr>
+              <a:t>C</a:t>
+            </a:r>
+            <a:r>
+              <a:rPr lang="en-US" dirty="0"/>
+              <a:t>hristopher Vishnu</a:t>
+            </a:r>
+          </a:p>
+          <a:p>
+            <a:pPr algn="ctr"/>
+            <a:r>
+              <a:rPr lang="en-US" i="1" dirty="0">
+                <a:latin typeface="Arial" panose="020B0604020202020204" pitchFamily="34" charset="0"/>
+                <a:cs typeface="Arial" panose="020B0604020202020204" pitchFamily="34" charset="0"/>
+              </a:rPr>
+              <a:t>Here to make our </a:t>
+            </a:r>
+            <a:r>
+              <a:rPr lang="en-US" b="1" i="1" dirty="0">
+                <a:solidFill>
+                  <a:schemeClr val="tx1"/>
+                </a:solidFill>
+                <a:latin typeface="Arial" panose="020B0604020202020204" pitchFamily="34" charset="0"/>
+                <a:cs typeface="Arial" panose="020B0604020202020204" pitchFamily="34" charset="0"/>
+              </a:rPr>
+              <a:t>marc </a:t>
+            </a:r>
+            <a:r>
+              <a:rPr lang="en-US" i="1" dirty="0">
+                <a:latin typeface="Arial" panose="020B0604020202020204" pitchFamily="34" charset="0"/>
+                <a:cs typeface="Arial" panose="020B0604020202020204" pitchFamily="34" charset="0"/>
+              </a:rPr>
+              <a:t>on the world</a:t>
+            </a:r>
           </a:p>
         </p:txBody>
       </p:sp>

--- a/Anti-Cargo-Presentation.pptx
+++ b/Anti-Cargo-Presentation.pptx
@@ -451,7 +451,7 @@
             <a:fld id="{5923F103-BC34-4FE4-A40E-EDDEECFDA5D0}" type="datetimeFigureOut">
               <a:rPr lang="en-US" dirty="0"/>
               <a:pPr/>
-              <a:t>1/27/2019</a:t>
+              <a:t>1/27/19</a:t>
             </a:fld>
             <a:endParaRPr lang="en-US" dirty="0"/>
           </a:p>
@@ -1535,7 +1535,7 @@
           <a:p>
             <a:fld id="{923A1CC3-2375-41D4-9E03-427CAF2A4C1A}" type="datetimeFigureOut">
               <a:rPr lang="en-US" dirty="0"/>
-              <a:t>1/27/2019</a:t>
+              <a:t>1/27/19</a:t>
             </a:fld>
             <a:endParaRPr lang="en-US" dirty="0"/>
           </a:p>
@@ -2511,7 +2511,7 @@
           <a:p>
             <a:fld id="{AFF16868-8199-4C2C-A5B1-63AEE139F88E}" type="datetimeFigureOut">
               <a:rPr lang="en-US" dirty="0"/>
-              <a:t>1/27/2019</a:t>
+              <a:t>1/27/19</a:t>
             </a:fld>
             <a:endParaRPr lang="en-US" dirty="0"/>
           </a:p>
@@ -3641,7 +3641,7 @@
           <a:p>
             <a:fld id="{AAD9FF7F-6988-44CC-821B-644E70CD2F73}" type="datetimeFigureOut">
               <a:rPr lang="en-US" dirty="0"/>
-              <a:t>1/27/2019</a:t>
+              <a:t>1/27/19</a:t>
             </a:fld>
             <a:endParaRPr lang="en-US" dirty="0"/>
           </a:p>
@@ -4670,7 +4670,7 @@
           <a:p>
             <a:fld id="{5C12C299-16B2-4475-990D-751901EACC14}" type="datetimeFigureOut">
               <a:rPr lang="en-US" dirty="0"/>
-              <a:t>1/27/2019</a:t>
+              <a:t>1/27/19</a:t>
             </a:fld>
             <a:endParaRPr lang="en-US" dirty="0"/>
           </a:p>
@@ -5326,7 +5326,7 @@
           <a:p>
             <a:fld id="{9FE86839-B9D8-4651-8783-F325ECE74E65}" type="datetimeFigureOut">
               <a:rPr lang="en-US" dirty="0"/>
-              <a:t>1/27/2019</a:t>
+              <a:t>1/27/19</a:t>
             </a:fld>
             <a:endParaRPr lang="en-US" dirty="0"/>
           </a:p>
@@ -6183,7 +6183,7 @@
           <a:p>
             <a:fld id="{FD484F64-32F6-45C5-931F-ADC1662401D0}" type="datetimeFigureOut">
               <a:rPr lang="en-US" dirty="0"/>
-              <a:t>1/27/2019</a:t>
+              <a:t>1/27/19</a:t>
             </a:fld>
             <a:endParaRPr lang="en-US" dirty="0"/>
           </a:p>
@@ -6369,7 +6369,7 @@
           <a:p>
             <a:fld id="{53086D93-FCAC-47E0-A2EE-787E62CA814C}" type="datetimeFigureOut">
               <a:rPr lang="en-US" dirty="0"/>
-              <a:t>1/27/2019</a:t>
+              <a:t>1/27/19</a:t>
             </a:fld>
             <a:endParaRPr lang="en-US" dirty="0"/>
           </a:p>
@@ -7337,7 +7337,7 @@
           <a:p>
             <a:fld id="{CDA879A6-0FD0-4734-A311-86BFCA472E6E}" type="datetimeFigureOut">
               <a:rPr lang="en-US" dirty="0"/>
-              <a:t>1/27/2019</a:t>
+              <a:t>1/27/19</a:t>
             </a:fld>
             <a:endParaRPr lang="en-US" dirty="0"/>
           </a:p>
@@ -7544,7 +7544,7 @@
           <a:p>
             <a:fld id="{19C9CA7B-DFD4-44B5-8C60-D14B8CD1FB59}" type="datetimeFigureOut">
               <a:rPr lang="en-US" dirty="0"/>
-              <a:t>1/27/2019</a:t>
+              <a:t>1/27/19</a:t>
             </a:fld>
             <a:endParaRPr lang="en-US" dirty="0"/>
           </a:p>
@@ -8574,7 +8574,7 @@
           <a:p>
             <a:fld id="{F34E6425-0181-43F2-84FC-787E803FD2F8}" type="datetimeFigureOut">
               <a:rPr lang="en-US" dirty="0"/>
-              <a:t>1/27/2019</a:t>
+              <a:t>1/27/19</a:t>
             </a:fld>
             <a:endParaRPr lang="en-US" dirty="0"/>
           </a:p>
@@ -8842,7 +8842,7 @@
           <a:p>
             <a:fld id="{3BDB8791-F1B0-41E7-B7FD-A781E65C4266}" type="datetimeFigureOut">
               <a:rPr lang="en-US" dirty="0"/>
-              <a:t>1/27/2019</a:t>
+              <a:t>1/27/19</a:t>
             </a:fld>
             <a:endParaRPr lang="en-US" dirty="0"/>
           </a:p>
@@ -9248,7 +9248,7 @@
           <a:p>
             <a:fld id="{5FDD63B2-E120-4ED8-B27B-C685F510A5FE}" type="datetimeFigureOut">
               <a:rPr lang="en-US" dirty="0"/>
-              <a:t>1/27/2019</a:t>
+              <a:t>1/27/19</a:t>
             </a:fld>
             <a:endParaRPr lang="en-US" dirty="0"/>
           </a:p>
@@ -9371,7 +9371,7 @@
           <a:p>
             <a:fld id="{7AA18ACC-A947-437B-A130-35BD54FDF1E9}" type="datetimeFigureOut">
               <a:rPr lang="en-US" dirty="0"/>
-              <a:t>1/27/2019</a:t>
+              <a:t>1/27/19</a:t>
             </a:fld>
             <a:endParaRPr lang="en-US" dirty="0"/>
           </a:p>
@@ -9462,7 +9462,7 @@
           <a:p>
             <a:fld id="{7C8D7E02-BCB8-4D50-A234-369438C08659}" type="datetimeFigureOut">
               <a:rPr lang="en-US" dirty="0"/>
-              <a:t>1/27/2019</a:t>
+              <a:t>1/27/19</a:t>
             </a:fld>
             <a:endParaRPr lang="en-US" dirty="0"/>
           </a:p>
@@ -10539,7 +10539,7 @@
           <a:p>
             <a:fld id="{76E86A4C-8E40-4F87-A4F0-01A0687C5742}" type="datetimeFigureOut">
               <a:rPr lang="en-US" dirty="0"/>
-              <a:t>1/27/2019</a:t>
+              <a:t>1/27/19</a:t>
             </a:fld>
             <a:endParaRPr lang="en-US" dirty="0"/>
           </a:p>
@@ -11643,7 +11643,7 @@
           <a:p>
             <a:fld id="{35E72C73-2D91-4E12-BA25-F0AA0C03599B}" type="datetimeFigureOut">
               <a:rPr lang="en-US" dirty="0"/>
-              <a:t>1/27/2019</a:t>
+              <a:t>1/27/19</a:t>
             </a:fld>
             <a:endParaRPr lang="en-US" dirty="0"/>
           </a:p>
@@ -12636,7 +12636,7 @@
           <a:p>
             <a:fld id="{2BE451C3-0FF4-47C4-B829-773ADF60F88C}" type="datetimeFigureOut">
               <a:rPr lang="en-US" dirty="0"/>
-              <a:t>1/27/2019</a:t>
+              <a:t>1/27/19</a:t>
             </a:fld>
             <a:endParaRPr lang="en-US" dirty="0"/>
           </a:p>
@@ -15318,10 +15318,10 @@
       </p:grpSpPr>
       <p:grpSp>
         <p:nvGrpSpPr>
-          <p:cNvPr id="20" name="Group 8">
+          <p:cNvPr id="37" name="Group 25">
             <a:extLst>
               <a:ext uri="{FF2B5EF4-FFF2-40B4-BE49-F238E27FC236}">
-                <a16:creationId xmlns:a16="http://schemas.microsoft.com/office/drawing/2014/main" id="{DD72FDFC-F497-4AA6-85C3-DDF24394D40F}"/>
+                <a16:creationId xmlns:a16="http://schemas.microsoft.com/office/drawing/2014/main" id="{6061F655-345C-4AD8-85BC-913D875232C0}"/>
               </a:ext>
               <a:ext uri="{C183D7F6-B498-43B3-948B-1728B52AA6E4}">
                 <adec:decorative xmlns:adec="http://schemas.microsoft.com/office/drawing/2017/decorative" val="1"/>
@@ -15349,10 +15349,10 @@
         </p:grpSpPr>
         <p:sp>
           <p:nvSpPr>
-            <p:cNvPr id="10" name="Rectangle 9">
+            <p:cNvPr id="27" name="Rectangle 26">
               <a:extLst>
                 <a:ext uri="{FF2B5EF4-FFF2-40B4-BE49-F238E27FC236}">
-                  <a16:creationId xmlns:a16="http://schemas.microsoft.com/office/drawing/2014/main" id="{38ABDB68-E3D5-448E-97D3-06FFEF680193}"/>
+                  <a16:creationId xmlns:a16="http://schemas.microsoft.com/office/drawing/2014/main" id="{643780CE-2BE5-46F6-97B2-60DF30217ED3}"/>
                 </a:ext>
                 <a:ext uri="{C183D7F6-B498-43B3-948B-1728B52AA6E4}">
                   <adec:decorative xmlns:adec="http://schemas.microsoft.com/office/drawing/2017/decorative" val="1"/>
@@ -15419,10 +15419,10 @@
         </p:sp>
         <p:sp>
           <p:nvSpPr>
-            <p:cNvPr id="11" name="Oval 10">
+            <p:cNvPr id="28" name="Oval 27">
               <a:extLst>
                 <a:ext uri="{FF2B5EF4-FFF2-40B4-BE49-F238E27FC236}">
-                  <a16:creationId xmlns:a16="http://schemas.microsoft.com/office/drawing/2014/main" id="{283DA7DD-CA37-4ED7-8710-48E56B063BA4}"/>
+                  <a16:creationId xmlns:a16="http://schemas.microsoft.com/office/drawing/2014/main" id="{4233DC0E-DE6C-4FB6-A529-51B162641AB8}"/>
                 </a:ext>
                 <a:ext uri="{C183D7F6-B498-43B3-948B-1728B52AA6E4}">
                   <adec:decorative xmlns:adec="http://schemas.microsoft.com/office/drawing/2017/decorative" val="1"/>
@@ -15491,10 +15491,10 @@
         </p:sp>
         <p:sp>
           <p:nvSpPr>
-            <p:cNvPr id="12" name="Oval 11">
+            <p:cNvPr id="29" name="Oval 28">
               <a:extLst>
                 <a:ext uri="{FF2B5EF4-FFF2-40B4-BE49-F238E27FC236}">
-                  <a16:creationId xmlns:a16="http://schemas.microsoft.com/office/drawing/2014/main" id="{B92F2E3C-66CD-4DEB-BA14-2A5912B65A21}"/>
+                  <a16:creationId xmlns:a16="http://schemas.microsoft.com/office/drawing/2014/main" id="{3870477F-E451-4BC3-863F-0E2FC572884B}"/>
                 </a:ext>
                 <a:ext uri="{C183D7F6-B498-43B3-948B-1728B52AA6E4}">
                   <adec:decorative xmlns:adec="http://schemas.microsoft.com/office/drawing/2017/decorative" val="1"/>
@@ -15563,10 +15563,10 @@
         </p:sp>
         <p:sp>
           <p:nvSpPr>
-            <p:cNvPr id="13" name="Rectangle 12">
+            <p:cNvPr id="30" name="Rectangle 29">
               <a:extLst>
                 <a:ext uri="{FF2B5EF4-FFF2-40B4-BE49-F238E27FC236}">
-                  <a16:creationId xmlns:a16="http://schemas.microsoft.com/office/drawing/2014/main" id="{F2FE6764-AB8C-4A7B-90F5-27B8CDC70F00}"/>
+                  <a16:creationId xmlns:a16="http://schemas.microsoft.com/office/drawing/2014/main" id="{88FBA05C-D740-40CE-9A7D-9E5A715AEA36}"/>
                 </a:ext>
                 <a:ext uri="{C183D7F6-B498-43B3-948B-1728B52AA6E4}">
                   <adec:decorative xmlns:adec="http://schemas.microsoft.com/office/drawing/2017/decorative" val="1"/>
@@ -15584,8 +15584,8 @@
           </p:nvSpPr>
           <p:spPr bwMode="gray">
             <a:xfrm>
-              <a:off x="7289800" y="402165"/>
-              <a:ext cx="4478865" cy="6053670"/>
+              <a:off x="5713412" y="402165"/>
+              <a:ext cx="6055253" cy="6053670"/>
             </a:xfrm>
             <a:prstGeom prst="rect">
               <a:avLst/>
@@ -15615,209 +15615,10 @@
         </p:sp>
         <p:sp>
           <p:nvSpPr>
-            <p:cNvPr id="14" name="Freeform 5">
+            <p:cNvPr id="31" name="Freeform 5">
               <a:extLst>
                 <a:ext uri="{FF2B5EF4-FFF2-40B4-BE49-F238E27FC236}">
-                  <a16:creationId xmlns:a16="http://schemas.microsoft.com/office/drawing/2014/main" id="{3BF38357-85E9-42F6-8CF9-02C1FC596B0F}"/>
-                </a:ext>
-                <a:ext uri="{C183D7F6-B498-43B3-948B-1728B52AA6E4}">
-                  <adec:decorative xmlns:adec="http://schemas.microsoft.com/office/drawing/2017/decorative" val="1"/>
-                </a:ext>
-              </a:extLst>
-            </p:cNvPr>
-            <p:cNvSpPr/>
-            <p:nvPr>
-              <p:extLst>
-                <p:ext uri="{386F3935-93C4-4BCD-93E2-E3B085C9AB24}">
-                  <p16:designElem xmlns:p16="http://schemas.microsoft.com/office/powerpoint/2015/main" val="1"/>
-                </p:ext>
-              </p:extLst>
-            </p:nvPr>
-          </p:nvSpPr>
-          <p:spPr bwMode="gray">
-            <a:xfrm rot="16200000">
-              <a:off x="4465654" y="2801721"/>
-              <a:ext cx="6053670" cy="1254558"/>
-            </a:xfrm>
-            <a:custGeom>
-              <a:avLst/>
-              <a:gdLst/>
-              <a:ahLst/>
-              <a:cxnLst/>
-              <a:rect l="l" t="t" r="r" b="b"/>
-              <a:pathLst>
-                <a:path w="10000" h="8000">
-                  <a:moveTo>
-                    <a:pt x="0" y="0"/>
-                  </a:moveTo>
-                  <a:lnTo>
-                    <a:pt x="0" y="7970"/>
-                  </a:lnTo>
-                  <a:lnTo>
-                    <a:pt x="10000" y="8000"/>
-                  </a:lnTo>
-                  <a:lnTo>
-                    <a:pt x="10000" y="7"/>
-                  </a:lnTo>
-                  <a:lnTo>
-                    <a:pt x="10000" y="7"/>
-                  </a:lnTo>
-                  <a:lnTo>
-                    <a:pt x="9773" y="156"/>
-                  </a:lnTo>
-                  <a:lnTo>
-                    <a:pt x="9547" y="298"/>
-                  </a:lnTo>
-                  <a:lnTo>
-                    <a:pt x="9320" y="437"/>
-                  </a:lnTo>
-                  <a:lnTo>
-                    <a:pt x="9092" y="556"/>
-                  </a:lnTo>
-                  <a:lnTo>
-                    <a:pt x="8865" y="676"/>
-                  </a:lnTo>
-                  <a:lnTo>
-                    <a:pt x="8637" y="788"/>
-                  </a:lnTo>
-                  <a:lnTo>
-                    <a:pt x="8412" y="884"/>
-                  </a:lnTo>
-                  <a:lnTo>
-                    <a:pt x="8184" y="975"/>
-                  </a:lnTo>
-                  <a:lnTo>
-                    <a:pt x="7957" y="1058"/>
-                  </a:lnTo>
-                  <a:lnTo>
-                    <a:pt x="7734" y="1130"/>
-                  </a:lnTo>
-                  <a:lnTo>
-                    <a:pt x="7508" y="1202"/>
-                  </a:lnTo>
-                  <a:lnTo>
-                    <a:pt x="7285" y="1262"/>
-                  </a:lnTo>
-                  <a:lnTo>
-                    <a:pt x="7062" y="1309"/>
-                  </a:lnTo>
-                  <a:lnTo>
-                    <a:pt x="6840" y="1358"/>
-                  </a:lnTo>
-                  <a:lnTo>
-                    <a:pt x="6620" y="1399"/>
-                  </a:lnTo>
-                  <a:lnTo>
-                    <a:pt x="6402" y="1428"/>
-                  </a:lnTo>
-                  <a:lnTo>
-                    <a:pt x="6184" y="1453"/>
-                  </a:lnTo>
-                  <a:lnTo>
-                    <a:pt x="5968" y="1477"/>
-                  </a:lnTo>
-                  <a:lnTo>
-                    <a:pt x="5755" y="1488"/>
-                  </a:lnTo>
-                  <a:lnTo>
-                    <a:pt x="5542" y="1500"/>
-                  </a:lnTo>
-                  <a:lnTo>
-                    <a:pt x="5332" y="1506"/>
-                  </a:lnTo>
-                  <a:lnTo>
-                    <a:pt x="5124" y="1500"/>
-                  </a:lnTo>
-                  <a:lnTo>
-                    <a:pt x="4918" y="1500"/>
-                  </a:lnTo>
-                  <a:lnTo>
-                    <a:pt x="4714" y="1488"/>
-                  </a:lnTo>
-                  <a:lnTo>
-                    <a:pt x="4514" y="1470"/>
-                  </a:lnTo>
-                  <a:lnTo>
-                    <a:pt x="4316" y="1453"/>
-                  </a:lnTo>
-                  <a:lnTo>
-                    <a:pt x="4122" y="1434"/>
-                  </a:lnTo>
-                  <a:lnTo>
-                    <a:pt x="3929" y="1405"/>
-                  </a:lnTo>
-                  <a:lnTo>
-                    <a:pt x="3739" y="1374"/>
-                  </a:lnTo>
-                  <a:lnTo>
-                    <a:pt x="3553" y="1346"/>
-                  </a:lnTo>
-                  <a:lnTo>
-                    <a:pt x="3190" y="1267"/>
-                  </a:lnTo>
-                  <a:lnTo>
-                    <a:pt x="2842" y="1183"/>
-                  </a:lnTo>
-                  <a:lnTo>
-                    <a:pt x="2508" y="1095"/>
-                  </a:lnTo>
-                  <a:lnTo>
-                    <a:pt x="2192" y="998"/>
-                  </a:lnTo>
-                  <a:lnTo>
-                    <a:pt x="1890" y="897"/>
-                  </a:lnTo>
-                  <a:lnTo>
-                    <a:pt x="1610" y="788"/>
-                  </a:lnTo>
-                  <a:lnTo>
-                    <a:pt x="1347" y="681"/>
-                  </a:lnTo>
-                  <a:lnTo>
-                    <a:pt x="1105" y="574"/>
-                  </a:lnTo>
-                  <a:lnTo>
-                    <a:pt x="883" y="473"/>
-                  </a:lnTo>
-                  <a:lnTo>
-                    <a:pt x="686" y="377"/>
-                  </a:lnTo>
-                  <a:lnTo>
-                    <a:pt x="508" y="286"/>
-                  </a:lnTo>
-                  <a:lnTo>
-                    <a:pt x="358" y="210"/>
-                  </a:lnTo>
-                  <a:lnTo>
-                    <a:pt x="232" y="138"/>
-                  </a:lnTo>
-                  <a:lnTo>
-                    <a:pt x="59" y="35"/>
-                  </a:lnTo>
-                  <a:lnTo>
-                    <a:pt x="0" y="0"/>
-                  </a:lnTo>
-                  <a:lnTo>
-                    <a:pt x="0" y="0"/>
-                  </a:lnTo>
-                  <a:close/>
-                </a:path>
-              </a:pathLst>
-            </a:custGeom>
-            <a:solidFill>
-              <a:schemeClr val="bg1"/>
-            </a:solidFill>
-            <a:ln>
-              <a:noFill/>
-            </a:ln>
-          </p:spPr>
-        </p:sp>
-        <p:sp>
-          <p:nvSpPr>
-            <p:cNvPr id="15" name="Freeform 5">
-              <a:extLst>
-                <a:ext uri="{FF2B5EF4-FFF2-40B4-BE49-F238E27FC236}">
-                  <a16:creationId xmlns:a16="http://schemas.microsoft.com/office/drawing/2014/main" id="{B8DD7FEB-D9F3-4F5B-982C-36B0664D0205}"/>
+                  <a16:creationId xmlns:a16="http://schemas.microsoft.com/office/drawing/2014/main" id="{B4A81DE1-E2BC-4A31-99EE-71350421B0EA}"/>
                 </a:ext>
                 <a:ext uri="{C183D7F6-B498-43B3-948B-1728B52AA6E4}">
                   <adec:decorative xmlns:adec="http://schemas.microsoft.com/office/drawing/2017/decorative" val="1"/>
@@ -15835,7 +15636,7 @@
           </p:nvSpPr>
           <p:spPr bwMode="gray">
             <a:xfrm rot="15922489">
-              <a:off x="5376762" y="1826078"/>
+              <a:off x="3140485" y="1826078"/>
               <a:ext cx="3299407" cy="440924"/>
             </a:xfrm>
             <a:custGeom>
@@ -15976,10 +15777,209 @@
         </p:sp>
         <p:sp>
           <p:nvSpPr>
-            <p:cNvPr id="16" name="Freeform 5">
+            <p:cNvPr id="32" name="Freeform 5">
               <a:extLst>
                 <a:ext uri="{FF2B5EF4-FFF2-40B4-BE49-F238E27FC236}">
-                  <a16:creationId xmlns:a16="http://schemas.microsoft.com/office/drawing/2014/main" id="{96BA11E4-0636-4FA9-A836-2A4FB176449A}"/>
+                  <a16:creationId xmlns:a16="http://schemas.microsoft.com/office/drawing/2014/main" id="{FDE8183D-5757-4D73-A338-62BDD88E49B2}"/>
+                </a:ext>
+                <a:ext uri="{C183D7F6-B498-43B3-948B-1728B52AA6E4}">
+                  <adec:decorative xmlns:adec="http://schemas.microsoft.com/office/drawing/2017/decorative" val="1"/>
+                </a:ext>
+              </a:extLst>
+            </p:cNvPr>
+            <p:cNvSpPr/>
+            <p:nvPr>
+              <p:extLst>
+                <p:ext uri="{386F3935-93C4-4BCD-93E2-E3B085C9AB24}">
+                  <p16:designElem xmlns:p16="http://schemas.microsoft.com/office/powerpoint/2015/main" val="1"/>
+                </p:ext>
+              </p:extLst>
+            </p:nvPr>
+          </p:nvSpPr>
+          <p:spPr bwMode="gray">
+            <a:xfrm rot="16200000">
+              <a:off x="2229377" y="2801721"/>
+              <a:ext cx="6053670" cy="1254558"/>
+            </a:xfrm>
+            <a:custGeom>
+              <a:avLst/>
+              <a:gdLst/>
+              <a:ahLst/>
+              <a:cxnLst/>
+              <a:rect l="l" t="t" r="r" b="b"/>
+              <a:pathLst>
+                <a:path w="10000" h="8000">
+                  <a:moveTo>
+                    <a:pt x="0" y="0"/>
+                  </a:moveTo>
+                  <a:lnTo>
+                    <a:pt x="0" y="7970"/>
+                  </a:lnTo>
+                  <a:lnTo>
+                    <a:pt x="10000" y="8000"/>
+                  </a:lnTo>
+                  <a:lnTo>
+                    <a:pt x="10000" y="7"/>
+                  </a:lnTo>
+                  <a:lnTo>
+                    <a:pt x="10000" y="7"/>
+                  </a:lnTo>
+                  <a:lnTo>
+                    <a:pt x="9773" y="156"/>
+                  </a:lnTo>
+                  <a:lnTo>
+                    <a:pt x="9547" y="298"/>
+                  </a:lnTo>
+                  <a:lnTo>
+                    <a:pt x="9320" y="437"/>
+                  </a:lnTo>
+                  <a:lnTo>
+                    <a:pt x="9092" y="556"/>
+                  </a:lnTo>
+                  <a:lnTo>
+                    <a:pt x="8865" y="676"/>
+                  </a:lnTo>
+                  <a:lnTo>
+                    <a:pt x="8637" y="788"/>
+                  </a:lnTo>
+                  <a:lnTo>
+                    <a:pt x="8412" y="884"/>
+                  </a:lnTo>
+                  <a:lnTo>
+                    <a:pt x="8184" y="975"/>
+                  </a:lnTo>
+                  <a:lnTo>
+                    <a:pt x="7957" y="1058"/>
+                  </a:lnTo>
+                  <a:lnTo>
+                    <a:pt x="7734" y="1130"/>
+                  </a:lnTo>
+                  <a:lnTo>
+                    <a:pt x="7508" y="1202"/>
+                  </a:lnTo>
+                  <a:lnTo>
+                    <a:pt x="7285" y="1262"/>
+                  </a:lnTo>
+                  <a:lnTo>
+                    <a:pt x="7062" y="1309"/>
+                  </a:lnTo>
+                  <a:lnTo>
+                    <a:pt x="6840" y="1358"/>
+                  </a:lnTo>
+                  <a:lnTo>
+                    <a:pt x="6620" y="1399"/>
+                  </a:lnTo>
+                  <a:lnTo>
+                    <a:pt x="6402" y="1428"/>
+                  </a:lnTo>
+                  <a:lnTo>
+                    <a:pt x="6184" y="1453"/>
+                  </a:lnTo>
+                  <a:lnTo>
+                    <a:pt x="5968" y="1477"/>
+                  </a:lnTo>
+                  <a:lnTo>
+                    <a:pt x="5755" y="1488"/>
+                  </a:lnTo>
+                  <a:lnTo>
+                    <a:pt x="5542" y="1500"/>
+                  </a:lnTo>
+                  <a:lnTo>
+                    <a:pt x="5332" y="1506"/>
+                  </a:lnTo>
+                  <a:lnTo>
+                    <a:pt x="5124" y="1500"/>
+                  </a:lnTo>
+                  <a:lnTo>
+                    <a:pt x="4918" y="1500"/>
+                  </a:lnTo>
+                  <a:lnTo>
+                    <a:pt x="4714" y="1488"/>
+                  </a:lnTo>
+                  <a:lnTo>
+                    <a:pt x="4514" y="1470"/>
+                  </a:lnTo>
+                  <a:lnTo>
+                    <a:pt x="4316" y="1453"/>
+                  </a:lnTo>
+                  <a:lnTo>
+                    <a:pt x="4122" y="1434"/>
+                  </a:lnTo>
+                  <a:lnTo>
+                    <a:pt x="3929" y="1405"/>
+                  </a:lnTo>
+                  <a:lnTo>
+                    <a:pt x="3739" y="1374"/>
+                  </a:lnTo>
+                  <a:lnTo>
+                    <a:pt x="3553" y="1346"/>
+                  </a:lnTo>
+                  <a:lnTo>
+                    <a:pt x="3190" y="1267"/>
+                  </a:lnTo>
+                  <a:lnTo>
+                    <a:pt x="2842" y="1183"/>
+                  </a:lnTo>
+                  <a:lnTo>
+                    <a:pt x="2508" y="1095"/>
+                  </a:lnTo>
+                  <a:lnTo>
+                    <a:pt x="2192" y="998"/>
+                  </a:lnTo>
+                  <a:lnTo>
+                    <a:pt x="1890" y="897"/>
+                  </a:lnTo>
+                  <a:lnTo>
+                    <a:pt x="1610" y="788"/>
+                  </a:lnTo>
+                  <a:lnTo>
+                    <a:pt x="1347" y="681"/>
+                  </a:lnTo>
+                  <a:lnTo>
+                    <a:pt x="1105" y="574"/>
+                  </a:lnTo>
+                  <a:lnTo>
+                    <a:pt x="883" y="473"/>
+                  </a:lnTo>
+                  <a:lnTo>
+                    <a:pt x="686" y="377"/>
+                  </a:lnTo>
+                  <a:lnTo>
+                    <a:pt x="508" y="286"/>
+                  </a:lnTo>
+                  <a:lnTo>
+                    <a:pt x="358" y="210"/>
+                  </a:lnTo>
+                  <a:lnTo>
+                    <a:pt x="232" y="138"/>
+                  </a:lnTo>
+                  <a:lnTo>
+                    <a:pt x="59" y="35"/>
+                  </a:lnTo>
+                  <a:lnTo>
+                    <a:pt x="0" y="0"/>
+                  </a:lnTo>
+                  <a:lnTo>
+                    <a:pt x="0" y="0"/>
+                  </a:lnTo>
+                  <a:close/>
+                </a:path>
+              </a:pathLst>
+            </a:custGeom>
+            <a:solidFill>
+              <a:schemeClr val="bg1"/>
+            </a:solidFill>
+            <a:ln>
+              <a:noFill/>
+            </a:ln>
+          </p:spPr>
+        </p:sp>
+        <p:sp>
+          <p:nvSpPr>
+            <p:cNvPr id="33" name="Freeform 5">
+              <a:extLst>
+                <a:ext uri="{FF2B5EF4-FFF2-40B4-BE49-F238E27FC236}">
+                  <a16:creationId xmlns:a16="http://schemas.microsoft.com/office/drawing/2014/main" id="{F6ACD5FC-CAFE-48EB-B765-60EED2E052F0}"/>
                 </a:ext>
                 <a:ext uri="{C183D7F6-B498-43B3-948B-1728B52AA6E4}">
                   <adec:decorative xmlns:adec="http://schemas.microsoft.com/office/drawing/2017/decorative" val="1"/>
@@ -16072,8 +16072,8 @@
         </p:nvSpPr>
         <p:spPr>
           <a:xfrm>
-            <a:off x="639098" y="629265"/>
-            <a:ext cx="6072776" cy="1622322"/>
+            <a:off x="1154955" y="973668"/>
+            <a:ext cx="2942210" cy="1020232"/>
           </a:xfrm>
         </p:spPr>
         <p:txBody>
@@ -16111,12 +16111,12 @@
         </p:nvSpPr>
         <p:spPr>
           <a:xfrm>
-            <a:off x="639098" y="2418735"/>
-            <a:ext cx="6072776" cy="3811740"/>
+            <a:off x="1154955" y="2120900"/>
+            <a:ext cx="3133726" cy="3898900"/>
           </a:xfrm>
         </p:spPr>
         <p:txBody>
-          <a:bodyPr anchor="ctr">
+          <a:bodyPr>
             <a:normAutofit/>
           </a:bodyPr>
           <a:lstStyle/>
@@ -16161,10 +16161,10 @@
       </p:sp>
       <p:pic>
         <p:nvPicPr>
-          <p:cNvPr id="4" name="Picture 3">
+          <p:cNvPr id="6" name="Picture 5">
             <a:extLst>
               <a:ext uri="{FF2B5EF4-FFF2-40B4-BE49-F238E27FC236}">
-                <a16:creationId xmlns:a16="http://schemas.microsoft.com/office/drawing/2014/main" id="{6077D2B7-09EB-A24C-A29B-868C3D701DEE}"/>
+                <a16:creationId xmlns:a16="http://schemas.microsoft.com/office/drawing/2014/main" id="{D313776D-8827-7149-92AA-390117A6F362}"/>
               </a:ext>
             </a:extLst>
           </p:cNvPr>
@@ -16181,8 +16181,8 @@
         </p:blipFill>
         <p:spPr>
           <a:xfrm>
-            <a:off x="7418226" y="1375132"/>
-            <a:ext cx="4125317" cy="4125317"/>
+            <a:off x="5194607" y="1679318"/>
+            <a:ext cx="6391533" cy="3499364"/>
           </a:xfrm>
           <a:prstGeom prst="rect">
             <a:avLst/>
@@ -16191,10 +16191,10 @@
       </p:pic>
       <p:sp>
         <p:nvSpPr>
-          <p:cNvPr id="21" name="Rectangle 17">
+          <p:cNvPr id="38" name="Rectangle 34">
             <a:extLst>
               <a:ext uri="{FF2B5EF4-FFF2-40B4-BE49-F238E27FC236}">
-                <a16:creationId xmlns:a16="http://schemas.microsoft.com/office/drawing/2014/main" id="{EADD3260-4BDA-459B-A162-5E1B897E38FC}"/>
+                <a16:creationId xmlns:a16="http://schemas.microsoft.com/office/drawing/2014/main" id="{9F33B405-D785-4738-B1C0-6A0AA5E98286}"/>
               </a:ext>
               <a:ext uri="{C183D7F6-B498-43B3-948B-1728B52AA6E4}">
                 <adec:decorative xmlns:adec="http://schemas.microsoft.com/office/drawing/2017/decorative" val="1"/>
